--- a/tweet_data/media/HIP/HIP14.pptx
+++ b/tweet_data/media/HIP/HIP14.pptx
@@ -214,7 +214,7 @@
           <a:p>
             <a:fld id="{762B48F5-BACC-47D6-A0F7-82FBF9C6BC85}" type="datetimeFigureOut">
               <a:rPr lang="en-US"/>
-              <a:t>7/21/2021</a:t>
+              <a:t>10/28/2021</a:t>
             </a:fld>
             <a:endParaRPr/>
           </a:p>
@@ -379,7 +379,7 @@
           <a:p>
             <a:fld id="{0CB1CD00-5424-4675-AB18-2C419B060449}" type="datetimeFigureOut">
               <a:rPr lang="en-US"/>
-              <a:t>7/21/2021</a:t>
+              <a:t>10/28/2021</a:t>
             </a:fld>
             <a:endParaRPr/>
           </a:p>
@@ -1016,7 +1016,7 @@
           <a:p>
             <a:fld id="{37CC0096-1860-4642-9CD2-0079EA5E7CD1}" type="datetimeFigureOut">
               <a:rPr lang="en-US" smtClean="0"/>
-              <a:t>7/21/2021</a:t>
+              <a:t>10/28/2021</a:t>
             </a:fld>
             <a:endParaRPr lang="en-US"/>
           </a:p>
@@ -1196,7 +1196,7 @@
           <a:p>
             <a:fld id="{37CC0096-1860-4642-9CD2-0079EA5E7CD1}" type="datetimeFigureOut">
               <a:rPr lang="en-US" smtClean="0"/>
-              <a:t>7/21/2021</a:t>
+              <a:t>10/28/2021</a:t>
             </a:fld>
             <a:endParaRPr lang="en-US"/>
           </a:p>
@@ -1370,7 +1370,7 @@
           <a:p>
             <a:fld id="{37CC0096-1860-4642-9CD2-0079EA5E7CD1}" type="datetimeFigureOut">
               <a:rPr lang="en-US" smtClean="0"/>
-              <a:t>7/21/2021</a:t>
+              <a:t>10/28/2021</a:t>
             </a:fld>
             <a:endParaRPr lang="en-US"/>
           </a:p>
@@ -1805,7 +1805,7 @@
           <a:p>
             <a:fld id="{37CC0096-1860-4642-9CD2-0079EA5E7CD1}" type="datetimeFigureOut">
               <a:rPr lang="en-US" smtClean="0"/>
-              <a:t>7/21/2021</a:t>
+              <a:t>10/28/2021</a:t>
             </a:fld>
             <a:endParaRPr lang="en-US"/>
           </a:p>
@@ -2245,7 +2245,7 @@
           <a:p>
             <a:fld id="{37CC0096-1860-4642-9CD2-0079EA5E7CD1}" type="datetimeFigureOut">
               <a:rPr lang="en-US" smtClean="0"/>
-              <a:t>7/21/2021</a:t>
+              <a:t>10/28/2021</a:t>
             </a:fld>
             <a:endParaRPr lang="en-US"/>
           </a:p>
@@ -2363,7 +2363,7 @@
           <a:p>
             <a:fld id="{37CC0096-1860-4642-9CD2-0079EA5E7CD1}" type="datetimeFigureOut">
               <a:rPr lang="en-US" smtClean="0"/>
-              <a:t>7/21/2021</a:t>
+              <a:t>10/28/2021</a:t>
             </a:fld>
             <a:endParaRPr lang="en-US"/>
           </a:p>
@@ -2458,7 +2458,7 @@
           <a:p>
             <a:fld id="{37CC0096-1860-4642-9CD2-0079EA5E7CD1}" type="datetimeFigureOut">
               <a:rPr lang="en-US" smtClean="0"/>
-              <a:t>7/21/2021</a:t>
+              <a:t>10/28/2021</a:t>
             </a:fld>
             <a:endParaRPr lang="en-US"/>
           </a:p>
@@ -2742,7 +2742,7 @@
           <a:p>
             <a:fld id="{37CC0096-1860-4642-9CD2-0079EA5E7CD1}" type="datetimeFigureOut">
               <a:rPr lang="en-US" smtClean="0"/>
-              <a:t>7/21/2021</a:t>
+              <a:t>10/28/2021</a:t>
             </a:fld>
             <a:endParaRPr lang="en-US"/>
           </a:p>
@@ -3055,7 +3055,7 @@
           <a:p>
             <a:fld id="{37CC0096-1860-4642-9CD2-0079EA5E7CD1}" type="datetimeFigureOut">
               <a:rPr lang="en-US" smtClean="0"/>
-              <a:t>7/21/2021</a:t>
+              <a:t>10/28/2021</a:t>
             </a:fld>
             <a:endParaRPr lang="en-US"/>
           </a:p>
@@ -3317,7 +3317,7 @@
             <a:fld id="{37CC0096-1860-4642-9CD2-0079EA5E7CD1}" type="datetimeFigureOut">
               <a:rPr lang="en-US" smtClean="0"/>
               <a:pPr/>
-              <a:t>7/21/2021</a:t>
+              <a:t>10/28/2021</a:t>
             </a:fld>
             <a:endParaRPr lang="en-US"/>
           </a:p>
@@ -3743,13 +3743,13 @@
                 <a14:imgProps xmlns:a14="http://schemas.microsoft.com/office/drawing/2010/main">
                   <a14:imgLayer r:embed="rId3">
                     <a14:imgEffect>
-                      <a14:artisticPaintStrokes/>
+                      <a14:artisticCement crackSpacing="59"/>
                     </a14:imgEffect>
                     <a14:imgEffect>
                       <a14:colorTemperature colorTemp="11500"/>
                     </a14:imgEffect>
                     <a14:imgEffect>
-                      <a14:saturation sat="190000"/>
+                      <a14:saturation sat="0"/>
                     </a14:imgEffect>
                   </a14:imgLayer>
                 </a14:imgProps>
@@ -3796,6 +3796,10 @@
             <a:off x="1066800" y="1981200"/>
             <a:ext cx="10058400" cy="990600"/>
           </a:xfrm>
+          <a:noFill/>
+          <a:ln>
+            <a:noFill/>
+          </a:ln>
           <a:effectLst>
             <a:glow rad="127000">
               <a:schemeClr val="tx2">
@@ -3806,26 +3810,57 @@
         </p:spPr>
         <p:txBody>
           <a:bodyPr>
-            <a:normAutofit/>
+            <a:noAutofit/>
           </a:bodyPr>
           <a:lstStyle/>
           <a:p>
             <a:r>
-              <a:rPr lang="en-US" sz="3600" b="1" dirty="0" smtClean="0">
+              <a:rPr lang="en-US" sz="5500" b="1" dirty="0">
                 <a:solidFill>
                   <a:schemeClr val="tx1">
                     <a:lumMod val="95000"/>
                   </a:schemeClr>
                 </a:solidFill>
+                <a:effectLst>
+                  <a:outerShdw blurRad="50800" dist="50800" dir="5400000" sx="102000" sy="102000" algn="ctr" rotWithShape="0">
+                    <a:srgbClr val="000000">
+                      <a:alpha val="43137"/>
+                    </a:srgbClr>
+                  </a:outerShdw>
+                </a:effectLst>
               </a:rPr>
-              <a:t>HIP-X: Title</a:t>
-            </a:r>
-            <a:endParaRPr sz="3600" b="1" dirty="0">
+              <a:t>HIP-14: Update Staking Portal ER/Uptime </a:t>
+            </a:r>
+            <a:r>
+              <a:rPr lang="en-US" sz="5500" b="1" dirty="0" smtClean="0">
+                <a:solidFill>
+                  <a:schemeClr val="tx1">
+                    <a:lumMod val="95000"/>
+                  </a:schemeClr>
+                </a:solidFill>
+                <a:effectLst>
+                  <a:outerShdw blurRad="50800" dist="50800" dir="5400000" sx="102000" sy="102000" algn="ctr" rotWithShape="0">
+                    <a:srgbClr val="000000">
+                      <a:alpha val="43137"/>
+                    </a:srgbClr>
+                  </a:outerShdw>
+                </a:effectLst>
+              </a:rPr>
+              <a:t>Metrics </a:t>
+            </a:r>
+            <a:endParaRPr sz="5500" b="1" dirty="0">
               <a:solidFill>
                 <a:schemeClr val="tx1">
                   <a:lumMod val="95000"/>
                 </a:schemeClr>
               </a:solidFill>
+              <a:effectLst>
+                <a:outerShdw blurRad="50800" dist="50800" dir="5400000" sx="102000" sy="102000" algn="ctr" rotWithShape="0">
+                  <a:srgbClr val="000000">
+                    <a:alpha val="43137"/>
+                  </a:srgbClr>
+                </a:outerShdw>
+              </a:effectLst>
             </a:endParaRPr>
           </a:p>
         </p:txBody>
@@ -3856,26 +3891,69 @@
         </p:spPr>
         <p:txBody>
           <a:bodyPr wrap="square" anchor="ctr" anchorCtr="0">
-            <a:normAutofit/>
+            <a:normAutofit fontScale="85000" lnSpcReduction="20000"/>
           </a:bodyPr>
           <a:lstStyle/>
           <a:p>
             <a:pPr algn="just"/>
-            <a:r>
-              <a:rPr lang="en-US" b="1" dirty="0">
-                <a:solidFill>
-                  <a:schemeClr val="tx1"/>
-                </a:solidFill>
-              </a:rPr>
-              <a:t>Summary</a:t>
-            </a:r>
             <a:r>
               <a:rPr lang="en-US" dirty="0">
                 <a:solidFill>
                   <a:schemeClr val="tx1"/>
                 </a:solidFill>
               </a:rPr>
-              <a:t> : </a:t>
+              <a:t>Summary : This proposal is to edit the expected return (ER) and uptime display data on the staking portal; as well as adding additional information for delegators</a:t>
+            </a:r>
+            <a:r>
+              <a:rPr lang="en-US" dirty="0" smtClean="0">
+                <a:solidFill>
+                  <a:schemeClr val="tx1"/>
+                </a:solidFill>
+              </a:rPr>
+              <a:t>.</a:t>
+            </a:r>
+          </a:p>
+          <a:p>
+            <a:pPr algn="just"/>
+            <a:endParaRPr lang="en-US" dirty="0" smtClean="0">
+              <a:solidFill>
+                <a:schemeClr val="tx1"/>
+              </a:solidFill>
+            </a:endParaRPr>
+          </a:p>
+          <a:p>
+            <a:pPr algn="just"/>
+            <a:r>
+              <a:rPr lang="en-US" dirty="0" smtClean="0">
+                <a:solidFill>
+                  <a:schemeClr val="tx1"/>
+                </a:solidFill>
+              </a:rPr>
+              <a:t>Background: </a:t>
+            </a:r>
+            <a:r>
+              <a:rPr lang="en-US" dirty="0">
+                <a:solidFill>
+                  <a:schemeClr val="tx1"/>
+                </a:solidFill>
+              </a:rPr>
+              <a:t>Currently, there is much confusion concerning which expected return (ER) data is the most factual; both on the staking portal and </a:t>
+            </a:r>
+            <a:r>
+              <a:rPr lang="en-US" dirty="0" err="1">
+                <a:solidFill>
+                  <a:schemeClr val="tx1"/>
+                </a:solidFill>
+              </a:rPr>
+              <a:t>smartstake</a:t>
+            </a:r>
+            <a:r>
+              <a:rPr lang="en-US" dirty="0" smtClean="0">
+                <a:solidFill>
+                  <a:schemeClr val="tx1"/>
+                </a:solidFill>
+              </a:rPr>
+              <a:t>.</a:t>
             </a:r>
           </a:p>
           <a:p>
@@ -3889,29 +3967,18 @@
           <a:p>
             <a:pPr algn="just"/>
             <a:r>
-              <a:rPr lang="en-US" b="1" dirty="0">
-                <a:solidFill>
-                  <a:schemeClr val="tx1"/>
-                </a:solidFill>
-              </a:rPr>
-              <a:t>Background</a:t>
-            </a:r>
-            <a:r>
               <a:rPr lang="en-US" dirty="0">
                 <a:solidFill>
                   <a:schemeClr val="tx1"/>
                 </a:solidFill>
               </a:rPr>
-              <a:t> </a:t>
-            </a:r>
-            <a:r>
-              <a:rPr lang="en-US" dirty="0" smtClean="0">
-                <a:solidFill>
-                  <a:schemeClr val="tx1"/>
-                </a:solidFill>
-              </a:rPr>
-              <a:t>:</a:t>
-            </a:r>
+              <a:t>Motivation: To provide the community one metric to ascertain current ER information. Ensuring there is only one metric available will eliminate confusion and false advertising</a:t>
+            </a:r>
+            <a:endParaRPr lang="en-US" dirty="0" smtClean="0">
+              <a:solidFill>
+                <a:schemeClr val="tx1"/>
+              </a:solidFill>
+            </a:endParaRPr>
           </a:p>
           <a:p>
             <a:pPr algn="just"/>
@@ -3924,12 +3991,12 @@
           <a:p>
             <a:pPr algn="just"/>
             <a:r>
-              <a:rPr lang="en-US" b="1" dirty="0">
+              <a:rPr lang="en-US" dirty="0" smtClean="0">
                 <a:solidFill>
                   <a:schemeClr val="tx1"/>
                 </a:solidFill>
               </a:rPr>
-              <a:t>Motivation</a:t>
+              <a:t>Specification </a:t>
             </a:r>
             <a:r>
               <a:rPr lang="en-US" dirty="0">
@@ -3937,55 +4004,13 @@
                   <a:schemeClr val="tx1"/>
                 </a:solidFill>
               </a:rPr>
-              <a:t> </a:t>
-            </a:r>
-            <a:r>
-              <a:rPr lang="en-US" dirty="0" smtClean="0">
-                <a:solidFill>
-                  <a:schemeClr val="tx1"/>
-                </a:solidFill>
-              </a:rPr>
-              <a:t>:</a:t>
-            </a:r>
-          </a:p>
-          <a:p>
-            <a:pPr algn="just"/>
-            <a:endParaRPr lang="en-US" dirty="0">
-              <a:solidFill>
-                <a:schemeClr val="tx1"/>
-              </a:solidFill>
-            </a:endParaRPr>
-          </a:p>
-          <a:p>
-            <a:pPr algn="just"/>
-            <a:r>
-              <a:rPr lang="en-US" b="1" dirty="0">
-                <a:solidFill>
-                  <a:schemeClr val="tx1"/>
-                </a:solidFill>
-              </a:rPr>
-              <a:t>Specification</a:t>
-            </a:r>
-            <a:r>
-              <a:rPr lang="en-US" dirty="0">
-                <a:solidFill>
-                  <a:schemeClr val="tx1"/>
-                </a:solidFill>
-              </a:rPr>
-              <a:t> </a:t>
-            </a:r>
-            <a:r>
-              <a:rPr lang="en-US" dirty="0" smtClean="0">
-                <a:solidFill>
-                  <a:schemeClr val="tx1"/>
-                </a:solidFill>
-              </a:rPr>
-              <a:t>:</a:t>
+              <a:t>: Remove the “latest expected return” from validators’ profiles on the staking portal and shorten the 30 day average displayed on the front list to 7 days.</a:t>
             </a:r>
             <a:endParaRPr dirty="0">
               <a:solidFill>
                 <a:schemeClr val="tx1"/>
               </a:solidFill>
+              <a:latin typeface="+mj-lt"/>
             </a:endParaRPr>
           </a:p>
         </p:txBody>
@@ -4005,7 +4030,10 @@
                 <a14:imgProps xmlns:a14="http://schemas.microsoft.com/office/drawing/2010/main">
                   <a14:imgLayer r:embed="rId5">
                     <a14:imgEffect>
-                      <a14:artisticLineDrawing trans="0" pencilSize="81"/>
+                      <a14:artisticPlasticWrap smoothness="8"/>
+                    </a14:imgEffect>
+                    <a14:imgEffect>
+                      <a14:brightnessContrast contrast="40000"/>
                     </a14:imgEffect>
                   </a14:imgLayer>
                 </a14:imgProps>
@@ -4049,13 +4077,6 @@
             <a:avLst/>
           </a:prstGeom>
           <a:noFill/>
-          <a:effectLst>
-            <a:glow>
-              <a:schemeClr val="tx1">
-                <a:alpha val="60000"/>
-              </a:schemeClr>
-            </a:glow>
-          </a:effectLst>
         </p:spPr>
         <p:txBody>
           <a:bodyPr wrap="square" lIns="91440" tIns="45720" rIns="91440" bIns="45720" anchor="t" anchorCtr="1">
@@ -4065,26 +4086,29 @@
           <a:p>
             <a:pPr algn="ctr"/>
             <a:r>
-              <a:rPr lang="en-US" sz="13000" b="1" smtClean="0">
+              <a:rPr lang="en-US" sz="13000" b="1" dirty="0" smtClean="0">
                 <a:ln w="12700">
                   <a:noFill/>
                   <a:prstDash val="solid"/>
                 </a:ln>
                 <a:solidFill>
-                  <a:schemeClr val="bg1"/>
+                  <a:srgbClr val="FF0000"/>
                 </a:solidFill>
                 <a:effectLst>
-                  <a:glow rad="152400">
-                    <a:schemeClr val="tx1"/>
+                  <a:glow rad="203200">
+                    <a:schemeClr val="tx1">
+                      <a:alpha val="68000"/>
+                    </a:schemeClr>
                   </a:glow>
                   <a:innerShdw blurRad="63500" dir="4440000">
-                    <a:schemeClr val="tx1">
+                    <a:schemeClr val="tx2">
+                      <a:lumMod val="50000"/>
                       <a:alpha val="50000"/>
                     </a:schemeClr>
                   </a:innerShdw>
                 </a:effectLst>
               </a:rPr>
-              <a:t>HIP-14</a:t>
+              <a:t>V-Dao Vote</a:t>
             </a:r>
             <a:endParaRPr lang="en-US" sz="13000" b="1" dirty="0">
               <a:ln w="12700">
@@ -4092,14 +4116,17 @@
                 <a:prstDash val="solid"/>
               </a:ln>
               <a:solidFill>
-                <a:schemeClr val="bg1"/>
+                <a:srgbClr val="FF0000"/>
               </a:solidFill>
               <a:effectLst>
-                <a:glow rad="152400">
-                  <a:schemeClr val="tx1"/>
+                <a:glow rad="203200">
+                  <a:schemeClr val="tx1">
+                    <a:alpha val="68000"/>
+                  </a:schemeClr>
                 </a:glow>
                 <a:innerShdw blurRad="63500" dir="4440000">
-                  <a:schemeClr val="tx1">
+                  <a:schemeClr val="tx2">
+                    <a:lumMod val="50000"/>
                     <a:alpha val="50000"/>
                   </a:schemeClr>
                 </a:innerShdw>
@@ -4141,11 +4168,14 @@
                   <a:schemeClr val="bg1"/>
                 </a:solidFill>
                 <a:effectLst>
-                  <a:glow rad="152400">
-                    <a:schemeClr val="tx1"/>
+                  <a:glow rad="203200">
+                    <a:schemeClr val="tx1">
+                      <a:alpha val="68000"/>
+                    </a:schemeClr>
                   </a:glow>
                   <a:innerShdw blurRad="63500" dir="4440000">
-                    <a:schemeClr val="tx1">
+                    <a:schemeClr val="tx2">
+                      <a:lumMod val="50000"/>
                       <a:alpha val="50000"/>
                     </a:schemeClr>
                   </a:innerShdw>
@@ -4171,7 +4201,7 @@
                 <a14:imgProps xmlns:a14="http://schemas.microsoft.com/office/drawing/2010/main">
                   <a14:imgLayer r:embed="rId7">
                     <a14:imgEffect>
-                      <a14:artisticLineDrawing trans="0" pencilSize="82"/>
+                      <a14:artisticPlasticWrap smoothness="8"/>
                     </a14:imgEffect>
                   </a14:imgLayer>
                 </a14:imgProps>

--- a/tweet_data/media/HIP/HIP14.pptx
+++ b/tweet_data/media/HIP/HIP14.pptx
@@ -4159,7 +4159,7 @@
           <a:p>
             <a:pPr algn="ctr"/>
             <a:r>
-              <a:rPr lang="en-US" sz="5400" b="1" dirty="0">
+              <a:rPr lang="en-US" sz="5400" b="1" smtClean="0">
                 <a:ln w="12700">
                   <a:noFill/>
                   <a:prstDash val="solid"/>
@@ -4181,8 +4181,30 @@
                   </a:innerShdw>
                 </a:effectLst>
               </a:rPr>
-              <a:t>talk.harmony.one</a:t>
-            </a:r>
+              <a:t>gov.harmony.one</a:t>
+            </a:r>
+            <a:endParaRPr lang="en-US" sz="5400" b="1" dirty="0">
+              <a:ln w="12700">
+                <a:noFill/>
+                <a:prstDash val="solid"/>
+              </a:ln>
+              <a:solidFill>
+                <a:schemeClr val="bg1"/>
+              </a:solidFill>
+              <a:effectLst>
+                <a:glow rad="203200">
+                  <a:schemeClr val="tx1">
+                    <a:alpha val="68000"/>
+                  </a:schemeClr>
+                </a:glow>
+                <a:innerShdw blurRad="63500" dir="4440000">
+                  <a:schemeClr val="tx2">
+                    <a:lumMod val="50000"/>
+                    <a:alpha val="50000"/>
+                  </a:schemeClr>
+                </a:innerShdw>
+              </a:effectLst>
+            </a:endParaRPr>
           </a:p>
         </p:txBody>
       </p:sp>
